--- a/slides/16_SpringCloudMicroservices.pptx
+++ b/slides/16_SpringCloudMicroservices.pptx
@@ -150,6 +150,37 @@
 </p:presentation>
 </file>
 
+<file path=ppt/ink/ink1.xml><?xml version="1.0" encoding="utf-8"?>
+<inkml:ink xmlns:inkml="http://www.w3.org/2003/InkML">
+  <inkml:definitions>
+    <inkml:context xml:id="ctx0">
+      <inkml:inkSource xml:id="inkSrc0">
+        <inkml:traceFormat>
+          <inkml:channel name="X" type="integer" min="-2.14748E9" max="2.14748E9" units="cm"/>
+          <inkml:channel name="Y" type="integer" min="-2.14748E9" max="2.14748E9" units="cm"/>
+          <inkml:channel name="F" type="integer" max="32767" units="dev"/>
+          <inkml:channel name="OA" type="integer" max="360" units="deg"/>
+          <inkml:channel name="OE" type="integer" max="90" units="deg"/>
+        </inkml:traceFormat>
+        <inkml:channelProperties>
+          <inkml:channelProperty channel="X" name="resolution" value="1000" units="1/cm"/>
+          <inkml:channelProperty channel="Y" name="resolution" value="1000" units="1/cm"/>
+          <inkml:channelProperty channel="F" name="resolution" value="0" units="1/dev"/>
+          <inkml:channelProperty channel="OA" name="resolution" value="1000" units="1/deg"/>
+          <inkml:channelProperty channel="OE" name="resolution" value="1000" units="1/deg"/>
+        </inkml:channelProperties>
+      </inkml:inkSource>
+      <inkml:timestamp xml:id="ts0" timeString="2022-01-28T09:33:31.933"/>
+    </inkml:context>
+    <inkml:brush xml:id="br0">
+      <inkml:brushProperty name="width" value="0.05" units="cm"/>
+      <inkml:brushProperty name="height" value="0.05" units="cm"/>
+    </inkml:brush>
+  </inkml:definitions>
+  <inkml:trace contextRef="#ctx0" brushRef="#br0">3 0 2456 0 0,'-3'0'104'0'0</inkml:trace>
+</inkml:ink>
+</file>
+
 <file path=ppt/notesMasters/notesMaster1.xml><?xml version="1.0" encoding="utf-8"?>
 <p:notesMaster xmlns:a="http://schemas.openxmlformats.org/drawingml/2006/main" xmlns:r="http://schemas.openxmlformats.org/officeDocument/2006/relationships" xmlns:p="http://schemas.openxmlformats.org/presentationml/2006/main">
   <p:cSld>
@@ -232,7 +263,7 @@
           <a:p>
             <a:fld id="{83DEBBD1-6077-4938-811F-54E4AC433829}" type="datetimeFigureOut">
               <a:rPr lang="en-GB" smtClean="0"/>
-              <a:t>30/09/2021</a:t>
+              <a:t>28/01/2022</a:t>
             </a:fld>
             <a:endParaRPr lang="en-GB"/>
           </a:p>
@@ -3776,7 +3807,7 @@
           <a:p>
             <a:fld id="{128B0A6C-EF38-9441-ADBF-8FE45FA6C46E}" type="datetimeFigureOut">
               <a:rPr lang="en-US" smtClean="0"/>
-              <a:t>9/30/2021</a:t>
+              <a:t>1/28/2022</a:t>
             </a:fld>
             <a:endParaRPr lang="en-US"/>
           </a:p>
@@ -8675,7 +8706,19 @@
               <a:rPr lang="en-GB" dirty="0">
                 <a:sym typeface="Wingdings" pitchFamily="2" charset="2"/>
               </a:rPr>
-              <a:t>Architectures must be flexible enough to scale up across multiple servers quickly when volume spikes</a:t>
+              <a:t>Architectures must be flexible enough to </a:t>
+            </a:r>
+            <a:r>
+              <a:rPr lang="en-GB">
+                <a:sym typeface="Wingdings" pitchFamily="2" charset="2"/>
+              </a:rPr>
+              <a:t>scale out </a:t>
+            </a:r>
+            <a:r>
+              <a:rPr lang="en-GB" dirty="0">
+                <a:sym typeface="Wingdings" pitchFamily="2" charset="2"/>
+              </a:rPr>
+              <a:t>across multiple servers quickly when volume spikes</a:t>
             </a:r>
           </a:p>
           <a:p>
@@ -8701,6 +8744,57 @@
           </a:p>
         </p:txBody>
       </p:sp>
+      <mc:AlternateContent xmlns:mc="http://schemas.openxmlformats.org/markup-compatibility/2006">
+        <mc:Choice xmlns:p14="http://schemas.microsoft.com/office/powerpoint/2010/main" Requires="p14">
+          <p:contentPart p14:bwMode="auto" r:id="rId3">
+            <p14:nvContentPartPr>
+              <p14:cNvPr id="6" name="Ink 5">
+                <a:extLst>
+                  <a:ext uri="{FF2B5EF4-FFF2-40B4-BE49-F238E27FC236}">
+                    <a16:creationId xmlns:a16="http://schemas.microsoft.com/office/drawing/2014/main" id="{A88DCF13-8125-4011-9A56-E9D4C41C7B0A}"/>
+                  </a:ext>
+                </a:extLst>
+              </p14:cNvPr>
+              <p14:cNvContentPartPr/>
+              <p14:nvPr/>
+            </p14:nvContentPartPr>
+            <p14:xfrm>
+              <a:off x="262107" y="3070373"/>
+              <a:ext cx="1440" cy="360"/>
+            </p14:xfrm>
+          </p:contentPart>
+        </mc:Choice>
+        <mc:Fallback>
+          <p:pic>
+            <p:nvPicPr>
+              <p:cNvPr id="6" name="Ink 5">
+                <a:extLst>
+                  <a:ext uri="{FF2B5EF4-FFF2-40B4-BE49-F238E27FC236}">
+                    <a16:creationId xmlns:a16="http://schemas.microsoft.com/office/drawing/2014/main" id="{A88DCF13-8125-4011-9A56-E9D4C41C7B0A}"/>
+                  </a:ext>
+                </a:extLst>
+              </p:cNvPr>
+              <p:cNvPicPr/>
+              <p:nvPr/>
+            </p:nvPicPr>
+            <p:blipFill>
+              <a:blip r:embed="rId4"/>
+              <a:stretch>
+                <a:fillRect/>
+              </a:stretch>
+            </p:blipFill>
+            <p:spPr>
+              <a:xfrm>
+                <a:off x="253107" y="3061373"/>
+                <a:ext cx="19080" cy="18000"/>
+              </a:xfrm>
+              <a:prstGeom prst="rect">
+                <a:avLst/>
+              </a:prstGeom>
+            </p:spPr>
+          </p:pic>
+        </mc:Fallback>
+      </mc:AlternateContent>
     </p:spTree>
     <p:extLst>
       <p:ext uri="{BB962C8B-B14F-4D97-AF65-F5344CB8AC3E}">
